--- a/Документация/Презентация/Защита проекта ГореловаИС.pptx
+++ b/Документация/Презентация/Защита проекта ГореловаИС.pptx
@@ -12734,8 +12734,37 @@
                 </a:solidFill>
                 <a:latin typeface="+mn-lt"/>
               </a:rPr>
-              <a:t>Не получилось вынести функционал в расширение для 1С:ЗУП. При выполнении регламентного задания не удалось отключить безопасный режим, внешняя компонента не подключалась. Поэтому разработка велась в основной конфигурации без расширения</a:t>
+              <a:t>Не получилось вынести функционал в расширение для 1С:ЗУП. При выполнении регламентного задания не удалось отключить безопасный режим, внешняя компонента не подключалась. Сделана внешняя обработка, запускаемая по расписанию в безопасном режиме; выполняет метод регламентного </a:t>
             </a:r>
+            <a:r>
+              <a:rPr lang="ru-RU">
+                <a:solidFill>
+                  <a:srgbClr val="333333"/>
+                </a:solidFill>
+                <a:latin typeface="+mn-lt"/>
+              </a:rPr>
+              <a:t>задания расширения. </a:t>
+            </a:r>
+            <a:endParaRPr lang="ru-RU" dirty="0">
+              <a:solidFill>
+                <a:srgbClr val="333333"/>
+              </a:solidFill>
+              <a:latin typeface="+mn-lt"/>
+            </a:endParaRPr>
+          </a:p>
+          <a:p>
+            <a:pPr marL="120650" indent="457200" algn="just">
+              <a:lnSpc>
+                <a:spcPct val="150000"/>
+              </a:lnSpc>
+              <a:buSzPts val="1700"/>
+            </a:pPr>
+            <a:endParaRPr lang="ru-RU" dirty="0">
+              <a:solidFill>
+                <a:srgbClr val="333333"/>
+              </a:solidFill>
+              <a:latin typeface="+mn-lt"/>
+            </a:endParaRPr>
           </a:p>
           <a:p>
             <a:pPr marL="120650" indent="457200" algn="just">

--- a/Документация/Презентация/Защита проекта ГореловаИС.pptx
+++ b/Документация/Презентация/Защита проекта ГореловаИС.pptx
@@ -12734,23 +12734,8 @@
                 </a:solidFill>
                 <a:latin typeface="+mn-lt"/>
               </a:rPr>
-              <a:t>Не получилось вынести функционал в расширение для 1С:ЗУП. При выполнении регламентного задания не удалось отключить безопасный режим, внешняя компонента не подключалась. Сделана внешняя обработка, запускаемая по расписанию в безопасном режиме; выполняет метод регламентного </a:t>
+              <a:t>Не получилось вынести функционал в расширение для 1С:ЗУП. При выполнении регламентного задания не удалось отключить безопасный режим, внешняя компонента не подключалась. Сделана внешняя обработка, запускаемая по расписанию в безопасном режиме; выполняет метод регламентного задания расширения. </a:t>
             </a:r>
-            <a:r>
-              <a:rPr lang="ru-RU">
-                <a:solidFill>
-                  <a:srgbClr val="333333"/>
-                </a:solidFill>
-                <a:latin typeface="+mn-lt"/>
-              </a:rPr>
-              <a:t>задания расширения. </a:t>
-            </a:r>
-            <a:endParaRPr lang="ru-RU" dirty="0">
-              <a:solidFill>
-                <a:srgbClr val="333333"/>
-              </a:solidFill>
-              <a:latin typeface="+mn-lt"/>
-            </a:endParaRPr>
           </a:p>
           <a:p>
             <a:pPr marL="120650" indent="457200" algn="just">
@@ -12780,7 +12765,43 @@
                 </a:solidFill>
                 <a:latin typeface="+mn-lt"/>
               </a:rPr>
-              <a:t>В репозитории выложено как расширение для 1С:ЗУП, так и конфигурация 1С:ЗУП.</a:t>
+              <a:t>В </a:t>
+            </a:r>
+            <a:r>
+              <a:rPr lang="ru-RU">
+                <a:solidFill>
+                  <a:srgbClr val="333333"/>
+                </a:solidFill>
+                <a:latin typeface="+mn-lt"/>
+              </a:rPr>
+              <a:t>репозитории выложено расширение </a:t>
+            </a:r>
+            <a:r>
+              <a:rPr lang="ru-RU" dirty="0">
+                <a:solidFill>
+                  <a:srgbClr val="333333"/>
+                </a:solidFill>
+                <a:latin typeface="+mn-lt"/>
+              </a:rPr>
+              <a:t>для 1С:ЗУП</a:t>
+            </a:r>
+            <a:r>
+              <a:rPr lang="en-US" dirty="0">
+                <a:solidFill>
+                  <a:srgbClr val="333333"/>
+                </a:solidFill>
+                <a:latin typeface="+mn-lt"/>
+              </a:rPr>
+              <a:t> </a:t>
+            </a:r>
+            <a:r>
+              <a:rPr lang="ru-RU" dirty="0">
+                <a:solidFill>
+                  <a:srgbClr val="333333"/>
+                </a:solidFill>
+                <a:latin typeface="+mn-lt"/>
+              </a:rPr>
+              <a:t>и конфигурация 1С:ДО.</a:t>
             </a:r>
             <a:endParaRPr lang="en-US" dirty="0">
               <a:solidFill>

--- a/Документация/Презентация/Защита проекта ГореловаИС.pptx
+++ b/Документация/Презентация/Защита проекта ГореловаИС.pptx
@@ -12734,7 +12734,25 @@
                 </a:solidFill>
                 <a:latin typeface="+mn-lt"/>
               </a:rPr>
-              <a:t>Не получилось вынести функционал в расширение для 1С:ЗУП. При выполнении регламентного задания не удалось отключить безопасный режим, внешняя компонента не подключалась. Сделана внешняя обработка, запускаемая по расписанию в безопасном режиме; выполняет метод регламентного задания расширения. </a:t>
+              <a:t>В ЗУП функционал вынесен в расширение. Чтобы при выполнении регламентного </a:t>
+            </a:r>
+            <a:r>
+              <a:rPr lang="ru-RU">
+                <a:solidFill>
+                  <a:srgbClr val="333333"/>
+                </a:solidFill>
+                <a:latin typeface="+mn-lt"/>
+              </a:rPr>
+              <a:t>задания подключалась </a:t>
+            </a:r>
+            <a:r>
+              <a:rPr lang="ru-RU" dirty="0">
+                <a:solidFill>
+                  <a:srgbClr val="333333"/>
+                </a:solidFill>
+                <a:latin typeface="+mn-lt"/>
+              </a:rPr>
+              <a:t>внешняя компонента, само расширение подключено безопасном режиме. Внешние обработки не использовалась. </a:t>
             </a:r>
           </a:p>
           <a:p>
@@ -12765,25 +12783,7 @@
                 </a:solidFill>
                 <a:latin typeface="+mn-lt"/>
               </a:rPr>
-              <a:t>В </a:t>
-            </a:r>
-            <a:r>
-              <a:rPr lang="ru-RU">
-                <a:solidFill>
-                  <a:srgbClr val="333333"/>
-                </a:solidFill>
-                <a:latin typeface="+mn-lt"/>
-              </a:rPr>
-              <a:t>репозитории выложено расширение </a:t>
-            </a:r>
-            <a:r>
-              <a:rPr lang="ru-RU" dirty="0">
-                <a:solidFill>
-                  <a:srgbClr val="333333"/>
-                </a:solidFill>
-                <a:latin typeface="+mn-lt"/>
-              </a:rPr>
-              <a:t>для 1С:ЗУП</a:t>
+              <a:t>В репозитории выложено расширение для 1С:ЗУП</a:t>
             </a:r>
             <a:r>
               <a:rPr lang="en-US" dirty="0">
